--- a/docs/model.pptx
+++ b/docs/model.pptx
@@ -2972,7 +2972,7 @@
         </p:nvSpPr>
         <p:spPr>
           <a:xfrm>
-            <a:off x="945222" y="698642"/>
+            <a:off x="3706743" y="4579634"/>
             <a:ext cx="1736333" cy="1304818"/>
           </a:xfrm>
           <a:prstGeom prst="rect">
@@ -3016,8 +3016,8 @@
         </p:nvSpPr>
         <p:spPr>
           <a:xfrm>
-            <a:off x="3450403" y="698642"/>
-            <a:ext cx="1736333" cy="1304818"/>
+            <a:off x="990375" y="763272"/>
+            <a:ext cx="1736333" cy="1141334"/>
           </a:xfrm>
           <a:prstGeom prst="rect">
             <a:avLst/>
@@ -3060,7 +3060,7 @@
         </p:nvSpPr>
         <p:spPr>
           <a:xfrm>
-            <a:off x="945221" y="3164440"/>
+            <a:off x="6530080" y="2546462"/>
             <a:ext cx="1736333" cy="1304818"/>
           </a:xfrm>
           <a:prstGeom prst="rect">
@@ -3090,7 +3090,7 @@
             <a:pPr algn="ctr"/>
             <a:r>
               <a:rPr kumimoji="1" lang="en-US" altLang="zh-CN" dirty="0" smtClean="0"/>
-              <a:t>Backlog</a:t>
+              <a:t>Backlog/Story</a:t>
             </a:r>
             <a:endParaRPr kumimoji="1" lang="zh-CN" altLang="en-US" dirty="0"/>
           </a:p>
@@ -3104,7 +3104,7 @@
         </p:nvSpPr>
         <p:spPr>
           <a:xfrm>
-            <a:off x="3450403" y="3164440"/>
+            <a:off x="3706743" y="2546462"/>
             <a:ext cx="1736333" cy="1304818"/>
           </a:xfrm>
           <a:prstGeom prst="rect">
@@ -3148,8 +3148,8 @@
         </p:nvSpPr>
         <p:spPr>
           <a:xfrm>
-            <a:off x="5955584" y="698642"/>
-            <a:ext cx="1736333" cy="1304818"/>
+            <a:off x="7945137" y="377366"/>
+            <a:ext cx="1736333" cy="771812"/>
           </a:xfrm>
           <a:prstGeom prst="rect">
             <a:avLst/>
@@ -3177,7 +3177,7 @@
           <a:p>
             <a:pPr algn="ctr"/>
             <a:r>
-              <a:rPr kumimoji="1" lang="en-US" altLang="zh-CN" smtClean="0"/>
+              <a:rPr kumimoji="1" lang="en-US" altLang="zh-CN" dirty="0" smtClean="0"/>
               <a:t>Timesheet</a:t>
             </a:r>
             <a:endParaRPr kumimoji="1" lang="zh-CN" altLang="en-US" dirty="0"/>
@@ -3192,7 +3192,7 @@
         </p:nvSpPr>
         <p:spPr>
           <a:xfrm>
-            <a:off x="6046339" y="3164440"/>
+            <a:off x="877141" y="4579634"/>
             <a:ext cx="1736333" cy="1304818"/>
           </a:xfrm>
           <a:prstGeom prst="rect">
@@ -3228,6 +3228,626 @@
           </a:p>
         </p:txBody>
       </p:sp>
+      <p:cxnSp>
+        <p:nvCxnSpPr>
+          <p:cNvPr id="12" name="直线箭头连接符 11"/>
+          <p:cNvCxnSpPr>
+            <a:stCxn id="8" idx="3"/>
+            <a:endCxn id="7" idx="1"/>
+          </p:cNvCxnSpPr>
+          <p:nvPr/>
+        </p:nvCxnSpPr>
+        <p:spPr>
+          <a:xfrm>
+            <a:off x="5443076" y="3198871"/>
+            <a:ext cx="1087004" cy="0"/>
+          </a:xfrm>
+          <a:prstGeom prst="straightConnector1">
+            <a:avLst/>
+          </a:prstGeom>
+          <a:ln>
+            <a:tailEnd type="triangle"/>
+          </a:ln>
+        </p:spPr>
+        <p:style>
+          <a:lnRef idx="1">
+            <a:schemeClr val="accent1"/>
+          </a:lnRef>
+          <a:fillRef idx="0">
+            <a:schemeClr val="accent1"/>
+          </a:fillRef>
+          <a:effectRef idx="0">
+            <a:schemeClr val="accent1"/>
+          </a:effectRef>
+          <a:fontRef idx="minor">
+            <a:schemeClr val="tx1"/>
+          </a:fontRef>
+        </p:style>
+      </p:cxnSp>
+      <p:sp>
+        <p:nvSpPr>
+          <p:cNvPr id="13" name="文本框 12"/>
+          <p:cNvSpPr txBox="1"/>
+          <p:nvPr/>
+        </p:nvSpPr>
+        <p:spPr>
+          <a:xfrm>
+            <a:off x="5517104" y="2743062"/>
+            <a:ext cx="306494" cy="369332"/>
+          </a:xfrm>
+          <a:prstGeom prst="rect">
+            <a:avLst/>
+          </a:prstGeom>
+          <a:noFill/>
+        </p:spPr>
+        <p:txBody>
+          <a:bodyPr wrap="none" rtlCol="0">
+            <a:spAutoFit/>
+          </a:bodyPr>
+          <a:lstStyle/>
+          <a:p>
+            <a:r>
+              <a:rPr kumimoji="1" lang="en-US" altLang="zh-CN" dirty="0" smtClean="0"/>
+              <a:t>1</a:t>
+            </a:r>
+            <a:endParaRPr kumimoji="1" lang="zh-CN" altLang="en-US" dirty="0"/>
+          </a:p>
+        </p:txBody>
+      </p:sp>
+      <p:sp>
+        <p:nvSpPr>
+          <p:cNvPr id="14" name="文本框 13"/>
+          <p:cNvSpPr txBox="1"/>
+          <p:nvPr/>
+        </p:nvSpPr>
+        <p:spPr>
+          <a:xfrm>
+            <a:off x="6143292" y="2743062"/>
+            <a:ext cx="473788" cy="369332"/>
+          </a:xfrm>
+          <a:prstGeom prst="rect">
+            <a:avLst/>
+          </a:prstGeom>
+          <a:noFill/>
+        </p:spPr>
+        <p:txBody>
+          <a:bodyPr wrap="square" rtlCol="0">
+            <a:spAutoFit/>
+          </a:bodyPr>
+          <a:lstStyle/>
+          <a:p>
+            <a:r>
+              <a:rPr kumimoji="1" lang="en-US" altLang="zh-CN" dirty="0"/>
+              <a:t>*</a:t>
+            </a:r>
+            <a:endParaRPr kumimoji="1" lang="zh-CN" altLang="en-US" dirty="0"/>
+          </a:p>
+        </p:txBody>
+      </p:sp>
+      <p:cxnSp>
+        <p:nvCxnSpPr>
+          <p:cNvPr id="16" name="直线箭头连接符 15"/>
+          <p:cNvCxnSpPr>
+            <a:stCxn id="10" idx="3"/>
+            <a:endCxn id="5" idx="1"/>
+          </p:cNvCxnSpPr>
+          <p:nvPr/>
+        </p:nvCxnSpPr>
+        <p:spPr>
+          <a:xfrm>
+            <a:off x="2613474" y="5232043"/>
+            <a:ext cx="1093269" cy="0"/>
+          </a:xfrm>
+          <a:prstGeom prst="straightConnector1">
+            <a:avLst/>
+          </a:prstGeom>
+          <a:ln>
+            <a:tailEnd type="triangle"/>
+          </a:ln>
+        </p:spPr>
+        <p:style>
+          <a:lnRef idx="1">
+            <a:schemeClr val="accent1"/>
+          </a:lnRef>
+          <a:fillRef idx="0">
+            <a:schemeClr val="accent1"/>
+          </a:fillRef>
+          <a:effectRef idx="0">
+            <a:schemeClr val="accent1"/>
+          </a:effectRef>
+          <a:fontRef idx="minor">
+            <a:schemeClr val="tx1"/>
+          </a:fontRef>
+        </p:style>
+      </p:cxnSp>
+      <p:sp>
+        <p:nvSpPr>
+          <p:cNvPr id="19" name="文本框 18"/>
+          <p:cNvSpPr txBox="1"/>
+          <p:nvPr/>
+        </p:nvSpPr>
+        <p:spPr>
+          <a:xfrm>
+            <a:off x="2747311" y="4810907"/>
+            <a:ext cx="306494" cy="369332"/>
+          </a:xfrm>
+          <a:prstGeom prst="rect">
+            <a:avLst/>
+          </a:prstGeom>
+          <a:noFill/>
+        </p:spPr>
+        <p:txBody>
+          <a:bodyPr wrap="none" rtlCol="0">
+            <a:spAutoFit/>
+          </a:bodyPr>
+          <a:lstStyle/>
+          <a:p>
+            <a:r>
+              <a:rPr kumimoji="1" lang="en-US" altLang="zh-CN" dirty="0" smtClean="0"/>
+              <a:t>1</a:t>
+            </a:r>
+            <a:endParaRPr kumimoji="1" lang="zh-CN" altLang="en-US" dirty="0"/>
+          </a:p>
+        </p:txBody>
+      </p:sp>
+      <p:sp>
+        <p:nvSpPr>
+          <p:cNvPr id="20" name="文本框 19"/>
+          <p:cNvSpPr txBox="1"/>
+          <p:nvPr/>
+        </p:nvSpPr>
+        <p:spPr>
+          <a:xfrm>
+            <a:off x="3393983" y="4827380"/>
+            <a:ext cx="306494" cy="369332"/>
+          </a:xfrm>
+          <a:prstGeom prst="rect">
+            <a:avLst/>
+          </a:prstGeom>
+          <a:noFill/>
+        </p:spPr>
+        <p:txBody>
+          <a:bodyPr wrap="none" rtlCol="0">
+            <a:spAutoFit/>
+          </a:bodyPr>
+          <a:lstStyle/>
+          <a:p>
+            <a:r>
+              <a:rPr kumimoji="1" lang="en-US" altLang="zh-CN" dirty="0" smtClean="0"/>
+              <a:t>1</a:t>
+            </a:r>
+            <a:endParaRPr kumimoji="1" lang="zh-CN" altLang="en-US" dirty="0"/>
+          </a:p>
+        </p:txBody>
+      </p:sp>
+      <p:cxnSp>
+        <p:nvCxnSpPr>
+          <p:cNvPr id="22" name="直线箭头连接符 21"/>
+          <p:cNvCxnSpPr>
+            <a:stCxn id="5" idx="0"/>
+            <a:endCxn id="8" idx="2"/>
+          </p:cNvCxnSpPr>
+          <p:nvPr/>
+        </p:nvCxnSpPr>
+        <p:spPr>
+          <a:xfrm flipV="1">
+            <a:off x="4574910" y="3851280"/>
+            <a:ext cx="0" cy="728354"/>
+          </a:xfrm>
+          <a:prstGeom prst="straightConnector1">
+            <a:avLst/>
+          </a:prstGeom>
+          <a:ln>
+            <a:tailEnd type="triangle"/>
+          </a:ln>
+        </p:spPr>
+        <p:style>
+          <a:lnRef idx="1">
+            <a:schemeClr val="accent1"/>
+          </a:lnRef>
+          <a:fillRef idx="0">
+            <a:schemeClr val="accent1"/>
+          </a:fillRef>
+          <a:effectRef idx="0">
+            <a:schemeClr val="accent1"/>
+          </a:effectRef>
+          <a:fontRef idx="minor">
+            <a:schemeClr val="tx1"/>
+          </a:fontRef>
+        </p:style>
+      </p:cxnSp>
+      <p:sp>
+        <p:nvSpPr>
+          <p:cNvPr id="25" name="文本框 24"/>
+          <p:cNvSpPr txBox="1"/>
+          <p:nvPr/>
+        </p:nvSpPr>
+        <p:spPr>
+          <a:xfrm>
+            <a:off x="4532680" y="4267067"/>
+            <a:ext cx="306494" cy="369332"/>
+          </a:xfrm>
+          <a:prstGeom prst="rect">
+            <a:avLst/>
+          </a:prstGeom>
+          <a:noFill/>
+        </p:spPr>
+        <p:txBody>
+          <a:bodyPr wrap="none" rtlCol="0">
+            <a:spAutoFit/>
+          </a:bodyPr>
+          <a:lstStyle/>
+          <a:p>
+            <a:r>
+              <a:rPr kumimoji="1" lang="en-US" altLang="zh-CN" dirty="0" smtClean="0"/>
+              <a:t>1</a:t>
+            </a:r>
+            <a:endParaRPr kumimoji="1" lang="zh-CN" altLang="en-US" dirty="0"/>
+          </a:p>
+        </p:txBody>
+      </p:sp>
+      <p:sp>
+        <p:nvSpPr>
+          <p:cNvPr id="26" name="文本框 25"/>
+          <p:cNvSpPr txBox="1"/>
+          <p:nvPr/>
+        </p:nvSpPr>
+        <p:spPr>
+          <a:xfrm>
+            <a:off x="4574909" y="3846125"/>
+            <a:ext cx="473788" cy="369332"/>
+          </a:xfrm>
+          <a:prstGeom prst="rect">
+            <a:avLst/>
+          </a:prstGeom>
+          <a:noFill/>
+        </p:spPr>
+        <p:txBody>
+          <a:bodyPr wrap="square" rtlCol="0">
+            <a:spAutoFit/>
+          </a:bodyPr>
+          <a:lstStyle/>
+          <a:p>
+            <a:r>
+              <a:rPr kumimoji="1" lang="en-US" altLang="zh-CN"/>
+              <a:t>*</a:t>
+            </a:r>
+            <a:endParaRPr kumimoji="1" lang="zh-CN" altLang="en-US" dirty="0"/>
+          </a:p>
+        </p:txBody>
+      </p:sp>
+      <p:cxnSp>
+        <p:nvCxnSpPr>
+          <p:cNvPr id="28" name="直线箭头连接符 27"/>
+          <p:cNvCxnSpPr>
+            <a:stCxn id="10" idx="0"/>
+            <a:endCxn id="8" idx="1"/>
+          </p:cNvCxnSpPr>
+          <p:nvPr/>
+        </p:nvCxnSpPr>
+        <p:spPr>
+          <a:xfrm flipV="1">
+            <a:off x="1745308" y="3198871"/>
+            <a:ext cx="1961435" cy="1380763"/>
+          </a:xfrm>
+          <a:prstGeom prst="straightConnector1">
+            <a:avLst/>
+          </a:prstGeom>
+          <a:ln>
+            <a:headEnd type="none"/>
+            <a:tailEnd type="none"/>
+          </a:ln>
+        </p:spPr>
+        <p:style>
+          <a:lnRef idx="1">
+            <a:schemeClr val="accent1"/>
+          </a:lnRef>
+          <a:fillRef idx="0">
+            <a:schemeClr val="accent1"/>
+          </a:fillRef>
+          <a:effectRef idx="0">
+            <a:schemeClr val="accent1"/>
+          </a:effectRef>
+          <a:fontRef idx="minor">
+            <a:schemeClr val="tx1"/>
+          </a:fontRef>
+        </p:style>
+      </p:cxnSp>
+      <p:cxnSp>
+        <p:nvCxnSpPr>
+          <p:cNvPr id="30" name="直线连接符 29"/>
+          <p:cNvCxnSpPr>
+            <a:endCxn id="6" idx="2"/>
+          </p:cNvCxnSpPr>
+          <p:nvPr/>
+        </p:nvCxnSpPr>
+        <p:spPr>
+          <a:xfrm flipH="1" flipV="1">
+            <a:off x="1858542" y="1904606"/>
+            <a:ext cx="867484" cy="2022620"/>
+          </a:xfrm>
+          <a:prstGeom prst="line">
+            <a:avLst/>
+          </a:prstGeom>
+        </p:spPr>
+        <p:style>
+          <a:lnRef idx="1">
+            <a:schemeClr val="accent1"/>
+          </a:lnRef>
+          <a:fillRef idx="0">
+            <a:schemeClr val="accent1"/>
+          </a:fillRef>
+          <a:effectRef idx="0">
+            <a:schemeClr val="accent1"/>
+          </a:effectRef>
+          <a:fontRef idx="minor">
+            <a:schemeClr val="tx1"/>
+          </a:fontRef>
+        </p:style>
+      </p:cxnSp>
+      <p:sp>
+        <p:nvSpPr>
+          <p:cNvPr id="32" name="文本框 31"/>
+          <p:cNvSpPr txBox="1"/>
+          <p:nvPr/>
+        </p:nvSpPr>
+        <p:spPr>
+          <a:xfrm>
+            <a:off x="7792750" y="14697"/>
+            <a:ext cx="2593980" cy="369332"/>
+          </a:xfrm>
+          <a:prstGeom prst="rect">
+            <a:avLst/>
+          </a:prstGeom>
+          <a:noFill/>
+        </p:spPr>
+        <p:txBody>
+          <a:bodyPr wrap="none" rtlCol="0">
+            <a:spAutoFit/>
+          </a:bodyPr>
+          <a:lstStyle/>
+          <a:p>
+            <a:r>
+              <a:rPr kumimoji="1" lang="zh-CN" altLang="en-US" dirty="0" smtClean="0"/>
+              <a:t>表示某个项目做了多久</a:t>
+            </a:r>
+            <a:r>
+              <a:rPr kumimoji="1" lang="en-US" altLang="zh-CN" dirty="0" smtClean="0"/>
+              <a:t>?</a:t>
+            </a:r>
+            <a:endParaRPr kumimoji="1" lang="zh-CN" altLang="en-US" dirty="0"/>
+          </a:p>
+        </p:txBody>
+      </p:sp>
+      <p:sp>
+        <p:nvSpPr>
+          <p:cNvPr id="34" name="矩形 33"/>
+          <p:cNvSpPr/>
+          <p:nvPr/>
+        </p:nvSpPr>
+        <p:spPr>
+          <a:xfrm>
+            <a:off x="9518564" y="1622551"/>
+            <a:ext cx="1736333" cy="771812"/>
+          </a:xfrm>
+          <a:prstGeom prst="rect">
+            <a:avLst/>
+          </a:prstGeom>
+        </p:spPr>
+        <p:style>
+          <a:lnRef idx="2">
+            <a:schemeClr val="accent1">
+              <a:shade val="50000"/>
+            </a:schemeClr>
+          </a:lnRef>
+          <a:fillRef idx="1">
+            <a:schemeClr val="accent1"/>
+          </a:fillRef>
+          <a:effectRef idx="0">
+            <a:schemeClr val="accent1"/>
+          </a:effectRef>
+          <a:fontRef idx="minor">
+            <a:schemeClr val="lt1"/>
+          </a:fontRef>
+        </p:style>
+        <p:txBody>
+          <a:bodyPr rtlCol="0" anchor="ctr"/>
+          <a:lstStyle/>
+          <a:p>
+            <a:pPr algn="ctr"/>
+            <a:r>
+              <a:rPr kumimoji="1" lang="en-US" altLang="zh-CN" dirty="0" err="1" smtClean="0"/>
+              <a:t>TimeEnetry</a:t>
+            </a:r>
+            <a:endParaRPr kumimoji="1" lang="zh-CN" altLang="en-US" dirty="0"/>
+          </a:p>
+        </p:txBody>
+      </p:sp>
+      <p:cxnSp>
+        <p:nvCxnSpPr>
+          <p:cNvPr id="39" name="肘形连接符 38"/>
+          <p:cNvCxnSpPr>
+            <a:stCxn id="9" idx="3"/>
+          </p:cNvCxnSpPr>
+          <p:nvPr/>
+        </p:nvCxnSpPr>
+        <p:spPr>
+          <a:xfrm>
+            <a:off x="9681470" y="763272"/>
+            <a:ext cx="705260" cy="859279"/>
+          </a:xfrm>
+          <a:prstGeom prst="bentConnector2">
+            <a:avLst/>
+          </a:prstGeom>
+          <a:ln>
+            <a:tailEnd type="triangle"/>
+          </a:ln>
+        </p:spPr>
+        <p:style>
+          <a:lnRef idx="1">
+            <a:schemeClr val="accent1"/>
+          </a:lnRef>
+          <a:fillRef idx="0">
+            <a:schemeClr val="accent1"/>
+          </a:fillRef>
+          <a:effectRef idx="0">
+            <a:schemeClr val="accent1"/>
+          </a:effectRef>
+          <a:fontRef idx="minor">
+            <a:schemeClr val="tx1"/>
+          </a:fontRef>
+        </p:style>
+      </p:cxnSp>
+      <p:sp>
+        <p:nvSpPr>
+          <p:cNvPr id="40" name="文本框 39"/>
+          <p:cNvSpPr txBox="1"/>
+          <p:nvPr/>
+        </p:nvSpPr>
+        <p:spPr>
+          <a:xfrm>
+            <a:off x="9686554" y="488070"/>
+            <a:ext cx="297705" cy="369332"/>
+          </a:xfrm>
+          <a:prstGeom prst="rect">
+            <a:avLst/>
+          </a:prstGeom>
+          <a:noFill/>
+        </p:spPr>
+        <p:txBody>
+          <a:bodyPr wrap="square" rtlCol="0">
+            <a:spAutoFit/>
+          </a:bodyPr>
+          <a:lstStyle/>
+          <a:p>
+            <a:r>
+              <a:rPr kumimoji="1" lang="en-US" altLang="zh-CN" dirty="0" smtClean="0"/>
+              <a:t>1</a:t>
+            </a:r>
+            <a:endParaRPr kumimoji="1" lang="zh-CN" altLang="en-US" dirty="0"/>
+          </a:p>
+        </p:txBody>
+      </p:sp>
+      <p:sp>
+        <p:nvSpPr>
+          <p:cNvPr id="41" name="文本框 40"/>
+          <p:cNvSpPr txBox="1"/>
+          <p:nvPr/>
+        </p:nvSpPr>
+        <p:spPr>
+          <a:xfrm>
+            <a:off x="10347025" y="1149178"/>
+            <a:ext cx="473788" cy="369332"/>
+          </a:xfrm>
+          <a:prstGeom prst="rect">
+            <a:avLst/>
+          </a:prstGeom>
+          <a:noFill/>
+        </p:spPr>
+        <p:txBody>
+          <a:bodyPr wrap="square" rtlCol="0">
+            <a:spAutoFit/>
+          </a:bodyPr>
+          <a:lstStyle/>
+          <a:p>
+            <a:r>
+              <a:rPr kumimoji="1" lang="en-US" altLang="zh-CN" dirty="0"/>
+              <a:t>*</a:t>
+            </a:r>
+            <a:endParaRPr kumimoji="1" lang="zh-CN" altLang="en-US" dirty="0"/>
+          </a:p>
+        </p:txBody>
+      </p:sp>
+      <p:sp>
+        <p:nvSpPr>
+          <p:cNvPr id="42" name="文本框 41"/>
+          <p:cNvSpPr txBox="1"/>
+          <p:nvPr/>
+        </p:nvSpPr>
+        <p:spPr>
+          <a:xfrm>
+            <a:off x="0" y="60863"/>
+            <a:ext cx="4108817" cy="646331"/>
+          </a:xfrm>
+          <a:prstGeom prst="rect">
+            <a:avLst/>
+          </a:prstGeom>
+          <a:noFill/>
+        </p:spPr>
+        <p:txBody>
+          <a:bodyPr wrap="none" rtlCol="0">
+            <a:spAutoFit/>
+          </a:bodyPr>
+          <a:lstStyle/>
+          <a:p>
+            <a:r>
+              <a:rPr kumimoji="1" lang="zh-CN" altLang="en-US" dirty="0" smtClean="0"/>
+              <a:t>表示某个人在某个项目分配了多长时间</a:t>
+            </a:r>
+            <a:endParaRPr kumimoji="1" lang="en-US" altLang="zh-CN" dirty="0" smtClean="0"/>
+          </a:p>
+          <a:p>
+            <a:r>
+              <a:rPr kumimoji="1" lang="zh-CN" altLang="en-US" dirty="0" smtClean="0"/>
+              <a:t>预先分配</a:t>
+            </a:r>
+            <a:endParaRPr kumimoji="1" lang="zh-CN" altLang="en-US" dirty="0"/>
+          </a:p>
+        </p:txBody>
+      </p:sp>
+      <p:sp>
+        <p:nvSpPr>
+          <p:cNvPr id="44" name="文本框 43"/>
+          <p:cNvSpPr txBox="1"/>
+          <p:nvPr/>
+        </p:nvSpPr>
+        <p:spPr>
+          <a:xfrm>
+            <a:off x="9518564" y="2546462"/>
+            <a:ext cx="1877437" cy="646331"/>
+          </a:xfrm>
+          <a:prstGeom prst="rect">
+            <a:avLst/>
+          </a:prstGeom>
+          <a:noFill/>
+        </p:spPr>
+        <p:txBody>
+          <a:bodyPr wrap="none" rtlCol="0">
+            <a:spAutoFit/>
+          </a:bodyPr>
+          <a:lstStyle/>
+          <a:p>
+            <a:r>
+              <a:rPr kumimoji="1" lang="zh-CN" altLang="en-US" dirty="0" smtClean="0"/>
+              <a:t>用户</a:t>
+            </a:r>
+            <a:r>
+              <a:rPr kumimoji="1" lang="en-US" altLang="zh-CN" dirty="0" smtClean="0"/>
+              <a:t>+</a:t>
+            </a:r>
+            <a:r>
+              <a:rPr kumimoji="1" lang="zh-CN" altLang="en-US" dirty="0" smtClean="0"/>
+              <a:t>项目</a:t>
+            </a:r>
+            <a:r>
+              <a:rPr kumimoji="1" lang="en-US" altLang="zh-CN" dirty="0" smtClean="0"/>
+              <a:t>+</a:t>
+            </a:r>
+            <a:r>
+              <a:rPr kumimoji="1" lang="zh-CN" altLang="en-US" dirty="0" smtClean="0"/>
+              <a:t>时间</a:t>
+            </a:r>
+            <a:endParaRPr kumimoji="1" lang="en-US" altLang="zh-CN" dirty="0" smtClean="0"/>
+          </a:p>
+          <a:p>
+            <a:r>
+              <a:rPr kumimoji="1" lang="zh-CN" altLang="en-US" dirty="0" smtClean="0"/>
+              <a:t>实际用时间</a:t>
+            </a:r>
+            <a:endParaRPr kumimoji="1" lang="zh-CN" altLang="en-US" dirty="0"/>
+          </a:p>
+        </p:txBody>
+      </p:sp>
     </p:spTree>
     <p:extLst>
       <p:ext uri="{BB962C8B-B14F-4D97-AF65-F5344CB8AC3E}">
@@ -3238,6 +3858,13 @@
   <p:clrMapOvr>
     <a:masterClrMapping/>
   </p:clrMapOvr>
+  <p:timing>
+    <p:tnLst>
+      <p:par>
+        <p:cTn id="1" dur="indefinite" restart="never" nodeType="tmRoot"/>
+      </p:par>
+    </p:tnLst>
+  </p:timing>
 </p:sld>
 </file>
 

--- a/docs/model.pptx
+++ b/docs/model.pptx
@@ -6,6 +6,7 @@
   </p:sldMasterIdLst>
   <p:sldIdLst>
     <p:sldId id="256" r:id="rId2"/>
+    <p:sldId id="257" r:id="rId3"/>
   </p:sldIdLst>
   <p:sldSz cx="12192000" cy="6858000"/>
   <p:notesSz cx="6858000" cy="9144000"/>
@@ -104,6 +105,11 @@
       </a:defRPr>
     </a:lvl9pPr>
   </p:defaultTextStyle>
+  <p:extLst>
+    <p:ext uri="{EFAFB233-063F-42B5-8137-9DF3F51BA10A}">
+      <p15:sldGuideLst xmlns:p15="http://schemas.microsoft.com/office/powerpoint/2012/main"/>
+    </p:ext>
+  </p:extLst>
 </p:presentation>
 </file>
 
@@ -238,7 +244,7 @@
           <a:p>
             <a:fld id="{4A20E940-9B15-A34F-BB5C-74AAA3C635C5}" type="datetimeFigureOut">
               <a:rPr kumimoji="1" lang="zh-CN" altLang="en-US" smtClean="0"/>
-              <a:t>2017/9/11</a:t>
+              <a:t>2017/9/12</a:t>
             </a:fld>
             <a:endParaRPr kumimoji="1" lang="zh-CN" altLang="en-US"/>
           </a:p>
@@ -408,7 +414,7 @@
           <a:p>
             <a:fld id="{4A20E940-9B15-A34F-BB5C-74AAA3C635C5}" type="datetimeFigureOut">
               <a:rPr kumimoji="1" lang="zh-CN" altLang="en-US" smtClean="0"/>
-              <a:t>2017/9/11</a:t>
+              <a:t>2017/9/12</a:t>
             </a:fld>
             <a:endParaRPr kumimoji="1" lang="zh-CN" altLang="en-US"/>
           </a:p>
@@ -588,7 +594,7 @@
           <a:p>
             <a:fld id="{4A20E940-9B15-A34F-BB5C-74AAA3C635C5}" type="datetimeFigureOut">
               <a:rPr kumimoji="1" lang="zh-CN" altLang="en-US" smtClean="0"/>
-              <a:t>2017/9/11</a:t>
+              <a:t>2017/9/12</a:t>
             </a:fld>
             <a:endParaRPr kumimoji="1" lang="zh-CN" altLang="en-US"/>
           </a:p>
@@ -758,7 +764,7 @@
           <a:p>
             <a:fld id="{4A20E940-9B15-A34F-BB5C-74AAA3C635C5}" type="datetimeFigureOut">
               <a:rPr kumimoji="1" lang="zh-CN" altLang="en-US" smtClean="0"/>
-              <a:t>2017/9/11</a:t>
+              <a:t>2017/9/12</a:t>
             </a:fld>
             <a:endParaRPr kumimoji="1" lang="zh-CN" altLang="en-US"/>
           </a:p>
@@ -1004,7 +1010,7 @@
           <a:p>
             <a:fld id="{4A20E940-9B15-A34F-BB5C-74AAA3C635C5}" type="datetimeFigureOut">
               <a:rPr kumimoji="1" lang="zh-CN" altLang="en-US" smtClean="0"/>
-              <a:t>2017/9/11</a:t>
+              <a:t>2017/9/12</a:t>
             </a:fld>
             <a:endParaRPr kumimoji="1" lang="zh-CN" altLang="en-US"/>
           </a:p>
@@ -1236,7 +1242,7 @@
           <a:p>
             <a:fld id="{4A20E940-9B15-A34F-BB5C-74AAA3C635C5}" type="datetimeFigureOut">
               <a:rPr kumimoji="1" lang="zh-CN" altLang="en-US" smtClean="0"/>
-              <a:t>2017/9/11</a:t>
+              <a:t>2017/9/12</a:t>
             </a:fld>
             <a:endParaRPr kumimoji="1" lang="zh-CN" altLang="en-US"/>
           </a:p>
@@ -1603,7 +1609,7 @@
           <a:p>
             <a:fld id="{4A20E940-9B15-A34F-BB5C-74AAA3C635C5}" type="datetimeFigureOut">
               <a:rPr kumimoji="1" lang="zh-CN" altLang="en-US" smtClean="0"/>
-              <a:t>2017/9/11</a:t>
+              <a:t>2017/9/12</a:t>
             </a:fld>
             <a:endParaRPr kumimoji="1" lang="zh-CN" altLang="en-US"/>
           </a:p>
@@ -1721,7 +1727,7 @@
           <a:p>
             <a:fld id="{4A20E940-9B15-A34F-BB5C-74AAA3C635C5}" type="datetimeFigureOut">
               <a:rPr kumimoji="1" lang="zh-CN" altLang="en-US" smtClean="0"/>
-              <a:t>2017/9/11</a:t>
+              <a:t>2017/9/12</a:t>
             </a:fld>
             <a:endParaRPr kumimoji="1" lang="zh-CN" altLang="en-US"/>
           </a:p>
@@ -1816,7 +1822,7 @@
           <a:p>
             <a:fld id="{4A20E940-9B15-A34F-BB5C-74AAA3C635C5}" type="datetimeFigureOut">
               <a:rPr kumimoji="1" lang="zh-CN" altLang="en-US" smtClean="0"/>
-              <a:t>2017/9/11</a:t>
+              <a:t>2017/9/12</a:t>
             </a:fld>
             <a:endParaRPr kumimoji="1" lang="zh-CN" altLang="en-US"/>
           </a:p>
@@ -2093,7 +2099,7 @@
           <a:p>
             <a:fld id="{4A20E940-9B15-A34F-BB5C-74AAA3C635C5}" type="datetimeFigureOut">
               <a:rPr kumimoji="1" lang="zh-CN" altLang="en-US" smtClean="0"/>
-              <a:t>2017/9/11</a:t>
+              <a:t>2017/9/12</a:t>
             </a:fld>
             <a:endParaRPr kumimoji="1" lang="zh-CN" altLang="en-US"/>
           </a:p>
@@ -2346,7 +2352,7 @@
           <a:p>
             <a:fld id="{4A20E940-9B15-A34F-BB5C-74AAA3C635C5}" type="datetimeFigureOut">
               <a:rPr kumimoji="1" lang="zh-CN" altLang="en-US" smtClean="0"/>
-              <a:t>2017/9/11</a:t>
+              <a:t>2017/9/12</a:t>
             </a:fld>
             <a:endParaRPr kumimoji="1" lang="zh-CN" altLang="en-US"/>
           </a:p>
@@ -2559,7 +2565,7 @@
           <a:p>
             <a:fld id="{4A20E940-9B15-A34F-BB5C-74AAA3C635C5}" type="datetimeFigureOut">
               <a:rPr kumimoji="1" lang="zh-CN" altLang="en-US" smtClean="0"/>
-              <a:t>2017/9/11</a:t>
+              <a:t>2017/9/12</a:t>
             </a:fld>
             <a:endParaRPr kumimoji="1" lang="zh-CN" altLang="en-US"/>
           </a:p>
@@ -3868,6 +3874,636 @@
 </p:sld>
 </file>
 
+<file path=ppt/slides/slide2.xml><?xml version="1.0" encoding="utf-8"?>
+<p:sld xmlns:a="http://schemas.openxmlformats.org/drawingml/2006/main" xmlns:r="http://schemas.openxmlformats.org/officeDocument/2006/relationships" xmlns:p="http://schemas.openxmlformats.org/presentationml/2006/main">
+  <p:cSld>
+    <p:spTree>
+      <p:nvGrpSpPr>
+        <p:cNvPr id="1" name=""/>
+        <p:cNvGrpSpPr/>
+        <p:nvPr/>
+      </p:nvGrpSpPr>
+      <p:grpSpPr>
+        <a:xfrm>
+          <a:off x="0" y="0"/>
+          <a:ext cx="0" cy="0"/>
+          <a:chOff x="0" y="0"/>
+          <a:chExt cx="0" cy="0"/>
+        </a:xfrm>
+      </p:grpSpPr>
+      <p:sp>
+        <p:nvSpPr>
+          <p:cNvPr id="4" name="矩形 3"/>
+          <p:cNvSpPr/>
+          <p:nvPr/>
+        </p:nvSpPr>
+        <p:spPr>
+          <a:xfrm>
+            <a:off x="8008920" y="387166"/>
+            <a:ext cx="3683069" cy="945222"/>
+          </a:xfrm>
+          <a:prstGeom prst="rect">
+            <a:avLst/>
+          </a:prstGeom>
+        </p:spPr>
+        <p:style>
+          <a:lnRef idx="2">
+            <a:schemeClr val="accent1">
+              <a:shade val="50000"/>
+            </a:schemeClr>
+          </a:lnRef>
+          <a:fillRef idx="1">
+            <a:schemeClr val="accent1"/>
+          </a:fillRef>
+          <a:effectRef idx="0">
+            <a:schemeClr val="accent1"/>
+          </a:effectRef>
+          <a:fontRef idx="minor">
+            <a:schemeClr val="lt1"/>
+          </a:fontRef>
+        </p:style>
+        <p:txBody>
+          <a:bodyPr rtlCol="0" anchor="ctr"/>
+          <a:lstStyle/>
+          <a:p>
+            <a:pPr algn="ctr"/>
+            <a:r>
+              <a:rPr kumimoji="1" lang="en-US" altLang="zh-CN" dirty="0" smtClean="0"/>
+              <a:t>UAA</a:t>
+            </a:r>
+            <a:endParaRPr kumimoji="1" lang="zh-CN" altLang="en-US" dirty="0"/>
+          </a:p>
+        </p:txBody>
+      </p:sp>
+      <p:sp>
+        <p:nvSpPr>
+          <p:cNvPr id="6" name="矩形 5"/>
+          <p:cNvSpPr/>
+          <p:nvPr/>
+        </p:nvSpPr>
+        <p:spPr>
+          <a:xfrm>
+            <a:off x="8008921" y="1332388"/>
+            <a:ext cx="3683069" cy="569524"/>
+          </a:xfrm>
+          <a:prstGeom prst="rect">
+            <a:avLst/>
+          </a:prstGeom>
+          <a:solidFill>
+            <a:schemeClr val="accent6"/>
+          </a:solidFill>
+        </p:spPr>
+        <p:style>
+          <a:lnRef idx="2">
+            <a:schemeClr val="accent1">
+              <a:shade val="50000"/>
+            </a:schemeClr>
+          </a:lnRef>
+          <a:fillRef idx="1">
+            <a:schemeClr val="accent1"/>
+          </a:fillRef>
+          <a:effectRef idx="0">
+            <a:schemeClr val="accent1"/>
+          </a:effectRef>
+          <a:fontRef idx="minor">
+            <a:schemeClr val="lt1"/>
+          </a:fontRef>
+        </p:style>
+        <p:txBody>
+          <a:bodyPr rtlCol="0" anchor="ctr"/>
+          <a:lstStyle/>
+          <a:p>
+            <a:r>
+              <a:rPr lang="en-US" altLang="zh-CN" sz="1100">
+                <a:solidFill>
+                  <a:schemeClr val="bg1"/>
+                </a:solidFill>
+                <a:latin typeface="Menlo" charset="0"/>
+              </a:rPr>
+              <a:t>http://localhost:8999/</a:t>
+            </a:r>
+            <a:r>
+              <a:rPr lang="en-US" altLang="zh-CN" sz="1100" dirty="0" err="1">
+                <a:solidFill>
+                  <a:schemeClr val="bg1"/>
+                </a:solidFill>
+                <a:latin typeface="Menlo" charset="0"/>
+              </a:rPr>
+              <a:t>oauth</a:t>
+            </a:r>
+            <a:r>
+              <a:rPr lang="en-US" altLang="zh-CN" sz="1100" dirty="0">
+                <a:solidFill>
+                  <a:schemeClr val="bg1"/>
+                </a:solidFill>
+                <a:latin typeface="Menlo" charset="0"/>
+              </a:rPr>
+              <a:t>/token</a:t>
+            </a:r>
+            <a:endParaRPr lang="zh-CN" altLang="en-US" sz="1100" dirty="0">
+              <a:solidFill>
+                <a:schemeClr val="bg1"/>
+              </a:solidFill>
+            </a:endParaRPr>
+          </a:p>
+        </p:txBody>
+      </p:sp>
+      <p:sp>
+        <p:nvSpPr>
+          <p:cNvPr id="7" name="矩形 6"/>
+          <p:cNvSpPr/>
+          <p:nvPr/>
+        </p:nvSpPr>
+        <p:spPr>
+          <a:xfrm>
+            <a:off x="2691829" y="1426612"/>
+            <a:ext cx="6096000" cy="261610"/>
+          </a:xfrm>
+          <a:prstGeom prst="rect">
+            <a:avLst/>
+          </a:prstGeom>
+        </p:spPr>
+        <p:txBody>
+          <a:bodyPr>
+            <a:spAutoFit/>
+          </a:bodyPr>
+          <a:lstStyle/>
+          <a:p>
+            <a:r>
+              <a:rPr lang="en-US" altLang="zh-CN" sz="1050">
+                <a:solidFill>
+                  <a:srgbClr val="DD1144"/>
+                </a:solidFill>
+                <a:latin typeface="Menlo" charset="0"/>
+              </a:rPr>
+              <a:t>grant_type</a:t>
+            </a:r>
+            <a:r>
+              <a:rPr lang="en-US" altLang="zh-CN" sz="1050" dirty="0">
+                <a:solidFill>
+                  <a:srgbClr val="DD1144"/>
+                </a:solidFill>
+                <a:latin typeface="Menlo" charset="0"/>
+              </a:rPr>
+              <a:t>=</a:t>
+            </a:r>
+            <a:r>
+              <a:rPr lang="en-US" altLang="zh-CN" sz="1050" dirty="0" err="1">
+                <a:solidFill>
+                  <a:srgbClr val="DD1144"/>
+                </a:solidFill>
+                <a:latin typeface="Menlo" charset="0"/>
+              </a:rPr>
+              <a:t>client_credentials&amp;response_type</a:t>
+            </a:r>
+            <a:r>
+              <a:rPr lang="en-US" altLang="zh-CN" sz="1050" dirty="0">
+                <a:solidFill>
+                  <a:srgbClr val="DD1144"/>
+                </a:solidFill>
+                <a:latin typeface="Menlo" charset="0"/>
+              </a:rPr>
+              <a:t>=token</a:t>
+            </a:r>
+            <a:endParaRPr lang="zh-CN" altLang="en-US" sz="1050" dirty="0"/>
+          </a:p>
+        </p:txBody>
+      </p:sp>
+      <p:sp>
+        <p:nvSpPr>
+          <p:cNvPr id="8" name="矩形 7"/>
+          <p:cNvSpPr/>
+          <p:nvPr/>
+        </p:nvSpPr>
+        <p:spPr>
+          <a:xfrm>
+            <a:off x="863029" y="1462000"/>
+            <a:ext cx="914400" cy="914400"/>
+          </a:xfrm>
+          <a:prstGeom prst="rect">
+            <a:avLst/>
+          </a:prstGeom>
+        </p:spPr>
+        <p:style>
+          <a:lnRef idx="2">
+            <a:schemeClr val="accent1">
+              <a:shade val="50000"/>
+            </a:schemeClr>
+          </a:lnRef>
+          <a:fillRef idx="1">
+            <a:schemeClr val="accent1"/>
+          </a:fillRef>
+          <a:effectRef idx="0">
+            <a:schemeClr val="accent1"/>
+          </a:effectRef>
+          <a:fontRef idx="minor">
+            <a:schemeClr val="lt1"/>
+          </a:fontRef>
+        </p:style>
+        <p:txBody>
+          <a:bodyPr rtlCol="0" anchor="ctr"/>
+          <a:lstStyle/>
+          <a:p>
+            <a:pPr algn="ctr"/>
+            <a:r>
+              <a:rPr kumimoji="1" lang="en-US" altLang="zh-CN" dirty="0" smtClean="0"/>
+              <a:t>Client</a:t>
+            </a:r>
+            <a:endParaRPr kumimoji="1" lang="zh-CN" altLang="en-US" dirty="0"/>
+          </a:p>
+        </p:txBody>
+      </p:sp>
+      <p:cxnSp>
+        <p:nvCxnSpPr>
+          <p:cNvPr id="10" name="直线箭头连接符 9"/>
+          <p:cNvCxnSpPr>
+            <a:stCxn id="8" idx="3"/>
+            <a:endCxn id="6" idx="1"/>
+          </p:cNvCxnSpPr>
+          <p:nvPr/>
+        </p:nvCxnSpPr>
+        <p:spPr>
+          <a:xfrm flipV="1">
+            <a:off x="1777429" y="1617150"/>
+            <a:ext cx="6231492" cy="302050"/>
+          </a:xfrm>
+          <a:prstGeom prst="straightConnector1">
+            <a:avLst/>
+          </a:prstGeom>
+          <a:ln>
+            <a:tailEnd type="triangle"/>
+          </a:ln>
+        </p:spPr>
+        <p:style>
+          <a:lnRef idx="1">
+            <a:schemeClr val="accent1"/>
+          </a:lnRef>
+          <a:fillRef idx="0">
+            <a:schemeClr val="accent1"/>
+          </a:fillRef>
+          <a:effectRef idx="0">
+            <a:schemeClr val="accent1"/>
+          </a:effectRef>
+          <a:fontRef idx="minor">
+            <a:schemeClr val="tx1"/>
+          </a:fontRef>
+        </p:style>
+      </p:cxnSp>
+      <p:sp>
+        <p:nvSpPr>
+          <p:cNvPr id="11" name="矩形 10"/>
+          <p:cNvSpPr/>
+          <p:nvPr/>
+        </p:nvSpPr>
+        <p:spPr>
+          <a:xfrm>
+            <a:off x="8008920" y="4689132"/>
+            <a:ext cx="3386614" cy="945222"/>
+          </a:xfrm>
+          <a:prstGeom prst="rect">
+            <a:avLst/>
+          </a:prstGeom>
+        </p:spPr>
+        <p:style>
+          <a:lnRef idx="2">
+            <a:schemeClr val="accent1">
+              <a:shade val="50000"/>
+            </a:schemeClr>
+          </a:lnRef>
+          <a:fillRef idx="1">
+            <a:schemeClr val="accent1"/>
+          </a:fillRef>
+          <a:effectRef idx="0">
+            <a:schemeClr val="accent1"/>
+          </a:effectRef>
+          <a:fontRef idx="minor">
+            <a:schemeClr val="lt1"/>
+          </a:fontRef>
+        </p:style>
+        <p:txBody>
+          <a:bodyPr rtlCol="0" anchor="ctr"/>
+          <a:lstStyle/>
+          <a:p>
+            <a:pPr algn="ctr"/>
+            <a:r>
+              <a:rPr kumimoji="1" lang="en-US" altLang="zh-CN" dirty="0" smtClean="0"/>
+              <a:t>Resource</a:t>
+            </a:r>
+            <a:endParaRPr kumimoji="1" lang="zh-CN" altLang="en-US" dirty="0"/>
+          </a:p>
+        </p:txBody>
+      </p:sp>
+      <p:sp>
+        <p:nvSpPr>
+          <p:cNvPr id="12" name="矩形 11"/>
+          <p:cNvSpPr/>
+          <p:nvPr/>
+        </p:nvSpPr>
+        <p:spPr>
+          <a:xfrm>
+            <a:off x="8017701" y="1937681"/>
+            <a:ext cx="3674290" cy="569524"/>
+          </a:xfrm>
+          <a:prstGeom prst="rect">
+            <a:avLst/>
+          </a:prstGeom>
+          <a:solidFill>
+            <a:schemeClr val="accent6"/>
+          </a:solidFill>
+        </p:spPr>
+        <p:style>
+          <a:lnRef idx="2">
+            <a:schemeClr val="accent1">
+              <a:shade val="50000"/>
+            </a:schemeClr>
+          </a:lnRef>
+          <a:fillRef idx="1">
+            <a:schemeClr val="accent1"/>
+          </a:fillRef>
+          <a:effectRef idx="0">
+            <a:schemeClr val="accent1"/>
+          </a:effectRef>
+          <a:fontRef idx="minor">
+            <a:schemeClr val="lt1"/>
+          </a:fontRef>
+        </p:style>
+        <p:txBody>
+          <a:bodyPr rtlCol="0" anchor="ctr"/>
+          <a:lstStyle/>
+          <a:p>
+            <a:r>
+              <a:rPr lang="en-US" altLang="zh-CN" sz="1100" dirty="0">
+                <a:solidFill>
+                  <a:schemeClr val="bg1"/>
+                </a:solidFill>
+                <a:latin typeface="Menlo" charset="0"/>
+              </a:rPr>
+              <a:t>http://</a:t>
+            </a:r>
+            <a:r>
+              <a:rPr lang="en-US" altLang="zh-CN" sz="1100" dirty="0" smtClean="0">
+                <a:solidFill>
+                  <a:schemeClr val="bg1"/>
+                </a:solidFill>
+                <a:latin typeface="Menlo" charset="0"/>
+              </a:rPr>
+              <a:t>localhost:8999/</a:t>
+            </a:r>
+            <a:r>
+              <a:rPr lang="en-US" altLang="zh-CN" sz="1100" dirty="0" err="1" smtClean="0">
+                <a:solidFill>
+                  <a:schemeClr val="bg1"/>
+                </a:solidFill>
+                <a:latin typeface="Menlo" charset="0"/>
+              </a:rPr>
+              <a:t>oauth</a:t>
+            </a:r>
+            <a:r>
+              <a:rPr lang="en-US" altLang="zh-CN" sz="1100" dirty="0" smtClean="0">
+                <a:solidFill>
+                  <a:schemeClr val="bg1"/>
+                </a:solidFill>
+                <a:latin typeface="Menlo" charset="0"/>
+              </a:rPr>
+              <a:t>/</a:t>
+            </a:r>
+            <a:r>
+              <a:rPr lang="en-US" altLang="zh-CN" sz="1100" dirty="0" err="1" smtClean="0">
+                <a:solidFill>
+                  <a:schemeClr val="bg1"/>
+                </a:solidFill>
+                <a:latin typeface="Menlo" charset="0"/>
+              </a:rPr>
+              <a:t>check_token</a:t>
+            </a:r>
+            <a:endParaRPr lang="zh-CN" altLang="en-US" sz="1100" dirty="0">
+              <a:solidFill>
+                <a:schemeClr val="bg1"/>
+              </a:solidFill>
+            </a:endParaRPr>
+          </a:p>
+        </p:txBody>
+      </p:sp>
+      <p:cxnSp>
+        <p:nvCxnSpPr>
+          <p:cNvPr id="13" name="直线箭头连接符 12"/>
+          <p:cNvCxnSpPr>
+            <a:stCxn id="8" idx="3"/>
+            <a:endCxn id="11" idx="1"/>
+          </p:cNvCxnSpPr>
+          <p:nvPr/>
+        </p:nvCxnSpPr>
+        <p:spPr>
+          <a:xfrm>
+            <a:off x="1777429" y="1919200"/>
+            <a:ext cx="6231491" cy="3242543"/>
+          </a:xfrm>
+          <a:prstGeom prst="straightConnector1">
+            <a:avLst/>
+          </a:prstGeom>
+          <a:ln>
+            <a:tailEnd type="triangle"/>
+          </a:ln>
+        </p:spPr>
+        <p:style>
+          <a:lnRef idx="1">
+            <a:schemeClr val="accent1"/>
+          </a:lnRef>
+          <a:fillRef idx="0">
+            <a:schemeClr val="accent1"/>
+          </a:fillRef>
+          <a:effectRef idx="0">
+            <a:schemeClr val="accent1"/>
+          </a:effectRef>
+          <a:fontRef idx="minor">
+            <a:schemeClr val="tx1"/>
+          </a:fontRef>
+        </p:style>
+      </p:cxnSp>
+      <p:sp>
+        <p:nvSpPr>
+          <p:cNvPr id="16" name="矩形 15"/>
+          <p:cNvSpPr/>
+          <p:nvPr/>
+        </p:nvSpPr>
+        <p:spPr>
+          <a:xfrm>
+            <a:off x="3091024" y="2435597"/>
+            <a:ext cx="2292633" cy="253916"/>
+          </a:xfrm>
+          <a:prstGeom prst="rect">
+            <a:avLst/>
+          </a:prstGeom>
+        </p:spPr>
+        <p:txBody>
+          <a:bodyPr wrap="square">
+            <a:spAutoFit/>
+          </a:bodyPr>
+          <a:lstStyle/>
+          <a:p>
+            <a:r>
+              <a:rPr lang="en-US" altLang="zh-CN" sz="1050" smtClean="0">
+                <a:solidFill>
+                  <a:srgbClr val="DD1144"/>
+                </a:solidFill>
+                <a:latin typeface="Menlo" charset="0"/>
+              </a:rPr>
+              <a:t>Request with token</a:t>
+            </a:r>
+            <a:endParaRPr lang="zh-CN" altLang="en-US" sz="1050" dirty="0"/>
+          </a:p>
+        </p:txBody>
+      </p:sp>
+      <p:cxnSp>
+        <p:nvCxnSpPr>
+          <p:cNvPr id="19" name="直线箭头连接符 18"/>
+          <p:cNvCxnSpPr>
+            <a:stCxn id="11" idx="0"/>
+            <a:endCxn id="12" idx="2"/>
+          </p:cNvCxnSpPr>
+          <p:nvPr/>
+        </p:nvCxnSpPr>
+        <p:spPr>
+          <a:xfrm flipV="1">
+            <a:off x="9702227" y="2507205"/>
+            <a:ext cx="152619" cy="2181927"/>
+          </a:xfrm>
+          <a:prstGeom prst="straightConnector1">
+            <a:avLst/>
+          </a:prstGeom>
+          <a:ln>
+            <a:tailEnd type="triangle"/>
+          </a:ln>
+        </p:spPr>
+        <p:style>
+          <a:lnRef idx="1">
+            <a:schemeClr val="accent1"/>
+          </a:lnRef>
+          <a:fillRef idx="0">
+            <a:schemeClr val="accent1"/>
+          </a:fillRef>
+          <a:effectRef idx="0">
+            <a:schemeClr val="accent1"/>
+          </a:effectRef>
+          <a:fontRef idx="minor">
+            <a:schemeClr val="tx1"/>
+          </a:fontRef>
+        </p:style>
+      </p:cxnSp>
+      <p:sp>
+        <p:nvSpPr>
+          <p:cNvPr id="23" name="矩形 22"/>
+          <p:cNvSpPr/>
+          <p:nvPr/>
+        </p:nvSpPr>
+        <p:spPr>
+          <a:xfrm>
+            <a:off x="9850454" y="3467363"/>
+            <a:ext cx="1213846" cy="261610"/>
+          </a:xfrm>
+          <a:prstGeom prst="rect">
+            <a:avLst/>
+          </a:prstGeom>
+        </p:spPr>
+        <p:txBody>
+          <a:bodyPr wrap="square">
+            <a:spAutoFit/>
+          </a:bodyPr>
+          <a:lstStyle/>
+          <a:p>
+            <a:r>
+              <a:rPr lang="en-US" altLang="zh-CN" sz="1050" dirty="0" err="1" smtClean="0">
+                <a:solidFill>
+                  <a:srgbClr val="DD1144"/>
+                </a:solidFill>
+                <a:latin typeface="Menlo" charset="0"/>
+              </a:rPr>
+              <a:t>CheckToken</a:t>
+            </a:r>
+            <a:endParaRPr lang="zh-CN" altLang="en-US" sz="1050" dirty="0"/>
+          </a:p>
+        </p:txBody>
+      </p:sp>
+      <p:cxnSp>
+        <p:nvCxnSpPr>
+          <p:cNvPr id="24" name="直线箭头连接符 23"/>
+          <p:cNvCxnSpPr/>
+          <p:nvPr/>
+        </p:nvCxnSpPr>
+        <p:spPr>
+          <a:xfrm flipH="1" flipV="1">
+            <a:off x="1777429" y="2393688"/>
+            <a:ext cx="6231492" cy="3154357"/>
+          </a:xfrm>
+          <a:prstGeom prst="straightConnector1">
+            <a:avLst/>
+          </a:prstGeom>
+          <a:ln>
+            <a:tailEnd type="triangle"/>
+          </a:ln>
+        </p:spPr>
+        <p:style>
+          <a:lnRef idx="1">
+            <a:schemeClr val="accent1"/>
+          </a:lnRef>
+          <a:fillRef idx="0">
+            <a:schemeClr val="accent1"/>
+          </a:fillRef>
+          <a:effectRef idx="0">
+            <a:schemeClr val="accent1"/>
+          </a:effectRef>
+          <a:fontRef idx="minor">
+            <a:schemeClr val="tx1"/>
+          </a:fontRef>
+        </p:style>
+      </p:cxnSp>
+      <p:sp>
+        <p:nvSpPr>
+          <p:cNvPr id="28" name="矩形 27"/>
+          <p:cNvSpPr/>
+          <p:nvPr/>
+        </p:nvSpPr>
+        <p:spPr>
+          <a:xfrm>
+            <a:off x="2164638" y="3213447"/>
+            <a:ext cx="2292633" cy="253916"/>
+          </a:xfrm>
+          <a:prstGeom prst="rect">
+            <a:avLst/>
+          </a:prstGeom>
+        </p:spPr>
+        <p:txBody>
+          <a:bodyPr wrap="square">
+            <a:spAutoFit/>
+          </a:bodyPr>
+          <a:lstStyle/>
+          <a:p>
+            <a:r>
+              <a:rPr lang="en-US" altLang="zh-CN" sz="1050" dirty="0" smtClean="0">
+                <a:solidFill>
+                  <a:srgbClr val="DD1144"/>
+                </a:solidFill>
+                <a:latin typeface="Menlo" charset="0"/>
+              </a:rPr>
+              <a:t>Response request</a:t>
+            </a:r>
+            <a:endParaRPr lang="zh-CN" altLang="en-US" sz="1050" dirty="0"/>
+          </a:p>
+        </p:txBody>
+      </p:sp>
+    </p:spTree>
+    <p:extLst>
+      <p:ext uri="{BB962C8B-B14F-4D97-AF65-F5344CB8AC3E}">
+        <p14:creationId xmlns:p14="http://schemas.microsoft.com/office/powerpoint/2010/main" val="2044606872"/>
+      </p:ext>
+    </p:extLst>
+  </p:cSld>
+  <p:clrMapOvr>
+    <a:masterClrMapping/>
+  </p:clrMapOvr>
+</p:sld>
+</file>
+
 <file path=ppt/theme/theme1.xml><?xml version="1.0" encoding="utf-8"?>
 <a:theme xmlns:a="http://schemas.openxmlformats.org/drawingml/2006/main" name="Office 主题">
   <a:themeElements>

--- a/docs/model.pptx
+++ b/docs/model.pptx
@@ -7,6 +7,7 @@
   <p:sldIdLst>
     <p:sldId id="256" r:id="rId2"/>
     <p:sldId id="257" r:id="rId3"/>
+    <p:sldId id="258" r:id="rId4"/>
   </p:sldIdLst>
   <p:sldSz cx="12192000" cy="6858000"/>
   <p:notesSz cx="6858000" cy="9144000"/>
@@ -4504,6 +4505,549 @@
 </p:sld>
 </file>
 
+<file path=ppt/slides/slide3.xml><?xml version="1.0" encoding="utf-8"?>
+<p:sld xmlns:a="http://schemas.openxmlformats.org/drawingml/2006/main" xmlns:r="http://schemas.openxmlformats.org/officeDocument/2006/relationships" xmlns:p="http://schemas.openxmlformats.org/presentationml/2006/main">
+  <p:cSld>
+    <p:spTree>
+      <p:nvGrpSpPr>
+        <p:cNvPr id="1" name=""/>
+        <p:cNvGrpSpPr/>
+        <p:nvPr/>
+      </p:nvGrpSpPr>
+      <p:grpSpPr>
+        <a:xfrm>
+          <a:off x="0" y="0"/>
+          <a:ext cx="0" cy="0"/>
+          <a:chOff x="0" y="0"/>
+          <a:chExt cx="0" cy="0"/>
+        </a:xfrm>
+      </p:grpSpPr>
+      <p:sp>
+        <p:nvSpPr>
+          <p:cNvPr id="4" name="矩形 3"/>
+          <p:cNvSpPr/>
+          <p:nvPr/>
+        </p:nvSpPr>
+        <p:spPr>
+          <a:xfrm>
+            <a:off x="452062" y="2167848"/>
+            <a:ext cx="1489753" cy="924674"/>
+          </a:xfrm>
+          <a:prstGeom prst="rect">
+            <a:avLst/>
+          </a:prstGeom>
+        </p:spPr>
+        <p:style>
+          <a:lnRef idx="2">
+            <a:schemeClr val="accent1">
+              <a:shade val="50000"/>
+            </a:schemeClr>
+          </a:lnRef>
+          <a:fillRef idx="1">
+            <a:schemeClr val="accent1"/>
+          </a:fillRef>
+          <a:effectRef idx="0">
+            <a:schemeClr val="accent1"/>
+          </a:effectRef>
+          <a:fontRef idx="minor">
+            <a:schemeClr val="lt1"/>
+          </a:fontRef>
+        </p:style>
+        <p:txBody>
+          <a:bodyPr rtlCol="0" anchor="ctr"/>
+          <a:lstStyle/>
+          <a:p>
+            <a:pPr algn="ctr"/>
+            <a:r>
+              <a:rPr kumimoji="1" lang="en-US" altLang="zh-CN" dirty="0" smtClean="0"/>
+              <a:t>Browser</a:t>
+            </a:r>
+            <a:endParaRPr kumimoji="1" lang="zh-CN" altLang="en-US" dirty="0"/>
+          </a:p>
+        </p:txBody>
+      </p:sp>
+      <p:sp>
+        <p:nvSpPr>
+          <p:cNvPr id="5" name="矩形 4"/>
+          <p:cNvSpPr/>
+          <p:nvPr/>
+        </p:nvSpPr>
+        <p:spPr>
+          <a:xfrm>
+            <a:off x="452062" y="3470954"/>
+            <a:ext cx="1489753" cy="924674"/>
+          </a:xfrm>
+          <a:prstGeom prst="rect">
+            <a:avLst/>
+          </a:prstGeom>
+        </p:spPr>
+        <p:style>
+          <a:lnRef idx="2">
+            <a:schemeClr val="accent1">
+              <a:shade val="50000"/>
+            </a:schemeClr>
+          </a:lnRef>
+          <a:fillRef idx="1">
+            <a:schemeClr val="accent1"/>
+          </a:fillRef>
+          <a:effectRef idx="0">
+            <a:schemeClr val="accent1"/>
+          </a:effectRef>
+          <a:fontRef idx="minor">
+            <a:schemeClr val="lt1"/>
+          </a:fontRef>
+        </p:style>
+        <p:txBody>
+          <a:bodyPr rtlCol="0" anchor="ctr"/>
+          <a:lstStyle/>
+          <a:p>
+            <a:pPr algn="ctr"/>
+            <a:r>
+              <a:rPr kumimoji="1" lang="en-US" altLang="zh-CN" dirty="0" smtClean="0"/>
+              <a:t>Phone</a:t>
+            </a:r>
+            <a:endParaRPr kumimoji="1" lang="zh-CN" altLang="en-US" dirty="0"/>
+          </a:p>
+        </p:txBody>
+      </p:sp>
+      <p:sp>
+        <p:nvSpPr>
+          <p:cNvPr id="6" name="矩形 5"/>
+          <p:cNvSpPr/>
+          <p:nvPr/>
+        </p:nvSpPr>
+        <p:spPr>
+          <a:xfrm>
+            <a:off x="4965839" y="832367"/>
+            <a:ext cx="1345915" cy="914400"/>
+          </a:xfrm>
+          <a:prstGeom prst="rect">
+            <a:avLst/>
+          </a:prstGeom>
+        </p:spPr>
+        <p:style>
+          <a:lnRef idx="2">
+            <a:schemeClr val="accent1">
+              <a:shade val="50000"/>
+            </a:schemeClr>
+          </a:lnRef>
+          <a:fillRef idx="1">
+            <a:schemeClr val="accent1"/>
+          </a:fillRef>
+          <a:effectRef idx="0">
+            <a:schemeClr val="accent1"/>
+          </a:effectRef>
+          <a:fontRef idx="minor">
+            <a:schemeClr val="lt1"/>
+          </a:fontRef>
+        </p:style>
+        <p:txBody>
+          <a:bodyPr rtlCol="0" anchor="ctr"/>
+          <a:lstStyle/>
+          <a:p>
+            <a:pPr algn="ctr"/>
+            <a:r>
+              <a:rPr kumimoji="1" lang="en-US" altLang="zh-CN" dirty="0" smtClean="0"/>
+              <a:t>UAA</a:t>
+            </a:r>
+            <a:endParaRPr kumimoji="1" lang="zh-CN" altLang="en-US" dirty="0"/>
+          </a:p>
+        </p:txBody>
+      </p:sp>
+      <p:sp>
+        <p:nvSpPr>
+          <p:cNvPr id="7" name="矩形 6"/>
+          <p:cNvSpPr/>
+          <p:nvPr/>
+        </p:nvSpPr>
+        <p:spPr>
+          <a:xfrm>
+            <a:off x="8125144" y="2001750"/>
+            <a:ext cx="1345915" cy="914400"/>
+          </a:xfrm>
+          <a:prstGeom prst="rect">
+            <a:avLst/>
+          </a:prstGeom>
+        </p:spPr>
+        <p:style>
+          <a:lnRef idx="2">
+            <a:schemeClr val="accent1">
+              <a:shade val="50000"/>
+            </a:schemeClr>
+          </a:lnRef>
+          <a:fillRef idx="1">
+            <a:schemeClr val="accent1"/>
+          </a:fillRef>
+          <a:effectRef idx="0">
+            <a:schemeClr val="accent1"/>
+          </a:effectRef>
+          <a:fontRef idx="minor">
+            <a:schemeClr val="lt1"/>
+          </a:fontRef>
+        </p:style>
+        <p:txBody>
+          <a:bodyPr rtlCol="0" anchor="ctr"/>
+          <a:lstStyle/>
+          <a:p>
+            <a:pPr algn="ctr"/>
+            <a:r>
+              <a:rPr kumimoji="1" lang="en-US" altLang="zh-CN" smtClean="0"/>
+              <a:t>S1</a:t>
+            </a:r>
+            <a:endParaRPr kumimoji="1" lang="zh-CN" altLang="en-US" dirty="0"/>
+          </a:p>
+        </p:txBody>
+      </p:sp>
+      <p:sp>
+        <p:nvSpPr>
+          <p:cNvPr id="8" name="矩形 7"/>
+          <p:cNvSpPr/>
+          <p:nvPr/>
+        </p:nvSpPr>
+        <p:spPr>
+          <a:xfrm>
+            <a:off x="8258707" y="4619948"/>
+            <a:ext cx="1345915" cy="914400"/>
+          </a:xfrm>
+          <a:prstGeom prst="rect">
+            <a:avLst/>
+          </a:prstGeom>
+        </p:spPr>
+        <p:style>
+          <a:lnRef idx="2">
+            <a:schemeClr val="accent1">
+              <a:shade val="50000"/>
+            </a:schemeClr>
+          </a:lnRef>
+          <a:fillRef idx="1">
+            <a:schemeClr val="accent1"/>
+          </a:fillRef>
+          <a:effectRef idx="0">
+            <a:schemeClr val="accent1"/>
+          </a:effectRef>
+          <a:fontRef idx="minor">
+            <a:schemeClr val="lt1"/>
+          </a:fontRef>
+        </p:style>
+        <p:txBody>
+          <a:bodyPr rtlCol="0" anchor="ctr"/>
+          <a:lstStyle/>
+          <a:p>
+            <a:pPr algn="ctr"/>
+            <a:r>
+              <a:rPr kumimoji="1" lang="en-US" altLang="zh-CN" smtClean="0"/>
+              <a:t>S3</a:t>
+            </a:r>
+            <a:endParaRPr kumimoji="1" lang="zh-CN" altLang="en-US" dirty="0"/>
+          </a:p>
+        </p:txBody>
+      </p:sp>
+      <p:sp>
+        <p:nvSpPr>
+          <p:cNvPr id="9" name="矩形 8"/>
+          <p:cNvSpPr/>
+          <p:nvPr/>
+        </p:nvSpPr>
+        <p:spPr>
+          <a:xfrm>
+            <a:off x="9335782" y="3310849"/>
+            <a:ext cx="1345915" cy="914400"/>
+          </a:xfrm>
+          <a:prstGeom prst="rect">
+            <a:avLst/>
+          </a:prstGeom>
+        </p:spPr>
+        <p:style>
+          <a:lnRef idx="2">
+            <a:schemeClr val="accent1">
+              <a:shade val="50000"/>
+            </a:schemeClr>
+          </a:lnRef>
+          <a:fillRef idx="1">
+            <a:schemeClr val="accent1"/>
+          </a:fillRef>
+          <a:effectRef idx="0">
+            <a:schemeClr val="accent1"/>
+          </a:effectRef>
+          <a:fontRef idx="minor">
+            <a:schemeClr val="lt1"/>
+          </a:fontRef>
+        </p:style>
+        <p:txBody>
+          <a:bodyPr rtlCol="0" anchor="ctr"/>
+          <a:lstStyle/>
+          <a:p>
+            <a:pPr algn="ctr"/>
+            <a:r>
+              <a:rPr kumimoji="1" lang="en-US" altLang="zh-CN" dirty="0" smtClean="0"/>
+              <a:t>S2</a:t>
+            </a:r>
+            <a:endParaRPr kumimoji="1" lang="zh-CN" altLang="en-US" dirty="0"/>
+          </a:p>
+        </p:txBody>
+      </p:sp>
+      <p:sp>
+        <p:nvSpPr>
+          <p:cNvPr id="10" name="文本框 9"/>
+          <p:cNvSpPr txBox="1"/>
+          <p:nvPr/>
+        </p:nvSpPr>
+        <p:spPr>
+          <a:xfrm>
+            <a:off x="647272" y="1087619"/>
+            <a:ext cx="748923" cy="369332"/>
+          </a:xfrm>
+          <a:prstGeom prst="rect">
+            <a:avLst/>
+          </a:prstGeom>
+          <a:noFill/>
+        </p:spPr>
+        <p:txBody>
+          <a:bodyPr wrap="none" rtlCol="0">
+            <a:spAutoFit/>
+          </a:bodyPr>
+          <a:lstStyle/>
+          <a:p>
+            <a:r>
+              <a:rPr kumimoji="1" lang="en-US" altLang="zh-CN" smtClean="0"/>
+              <a:t>Client</a:t>
+            </a:r>
+            <a:endParaRPr kumimoji="1" lang="zh-CN" altLang="en-US" dirty="0"/>
+          </a:p>
+        </p:txBody>
+      </p:sp>
+      <p:cxnSp>
+        <p:nvCxnSpPr>
+          <p:cNvPr id="12" name="直线连接符 11"/>
+          <p:cNvCxnSpPr/>
+          <p:nvPr/>
+        </p:nvCxnSpPr>
+        <p:spPr>
+          <a:xfrm>
+            <a:off x="3277456" y="270554"/>
+            <a:ext cx="10274" cy="6400800"/>
+          </a:xfrm>
+          <a:prstGeom prst="line">
+            <a:avLst/>
+          </a:prstGeom>
+        </p:spPr>
+        <p:style>
+          <a:lnRef idx="1">
+            <a:schemeClr val="accent1"/>
+          </a:lnRef>
+          <a:fillRef idx="0">
+            <a:schemeClr val="accent1"/>
+          </a:fillRef>
+          <a:effectRef idx="0">
+            <a:schemeClr val="accent1"/>
+          </a:effectRef>
+          <a:fontRef idx="minor">
+            <a:schemeClr val="tx1"/>
+          </a:fontRef>
+        </p:style>
+      </p:cxnSp>
+      <p:sp>
+        <p:nvSpPr>
+          <p:cNvPr id="13" name="文本框 12"/>
+          <p:cNvSpPr txBox="1"/>
+          <p:nvPr/>
+        </p:nvSpPr>
+        <p:spPr>
+          <a:xfrm>
+            <a:off x="3801438" y="270554"/>
+            <a:ext cx="1226618" cy="369332"/>
+          </a:xfrm>
+          <a:prstGeom prst="rect">
+            <a:avLst/>
+          </a:prstGeom>
+          <a:noFill/>
+        </p:spPr>
+        <p:txBody>
+          <a:bodyPr wrap="none" rtlCol="0">
+            <a:spAutoFit/>
+          </a:bodyPr>
+          <a:lstStyle/>
+          <a:p>
+            <a:r>
+              <a:rPr kumimoji="1" lang="en-US" altLang="zh-CN" dirty="0" err="1" smtClean="0"/>
+              <a:t>ServerSide</a:t>
+            </a:r>
+            <a:endParaRPr kumimoji="1" lang="zh-CN" altLang="en-US" dirty="0"/>
+          </a:p>
+        </p:txBody>
+      </p:sp>
+      <p:sp>
+        <p:nvSpPr>
+          <p:cNvPr id="14" name="矩形 13"/>
+          <p:cNvSpPr/>
+          <p:nvPr/>
+        </p:nvSpPr>
+        <p:spPr>
+          <a:xfrm>
+            <a:off x="4965840" y="2853649"/>
+            <a:ext cx="1345915" cy="914400"/>
+          </a:xfrm>
+          <a:prstGeom prst="rect">
+            <a:avLst/>
+          </a:prstGeom>
+        </p:spPr>
+        <p:style>
+          <a:lnRef idx="2">
+            <a:schemeClr val="accent1">
+              <a:shade val="50000"/>
+            </a:schemeClr>
+          </a:lnRef>
+          <a:fillRef idx="1">
+            <a:schemeClr val="accent1"/>
+          </a:fillRef>
+          <a:effectRef idx="0">
+            <a:schemeClr val="accent1"/>
+          </a:effectRef>
+          <a:fontRef idx="minor">
+            <a:schemeClr val="lt1"/>
+          </a:fontRef>
+        </p:style>
+        <p:txBody>
+          <a:bodyPr rtlCol="0" anchor="ctr"/>
+          <a:lstStyle/>
+          <a:p>
+            <a:pPr algn="ctr"/>
+            <a:r>
+              <a:rPr kumimoji="1" lang="en-US" altLang="zh-CN" dirty="0" err="1" smtClean="0"/>
+              <a:t>Zuul</a:t>
+            </a:r>
+            <a:endParaRPr kumimoji="1" lang="zh-CN" altLang="en-US" dirty="0"/>
+          </a:p>
+        </p:txBody>
+      </p:sp>
+      <p:cxnSp>
+        <p:nvCxnSpPr>
+          <p:cNvPr id="16" name="直线箭头连接符 15"/>
+          <p:cNvCxnSpPr>
+            <a:stCxn id="4" idx="3"/>
+            <a:endCxn id="14" idx="1"/>
+          </p:cNvCxnSpPr>
+          <p:nvPr/>
+        </p:nvCxnSpPr>
+        <p:spPr>
+          <a:xfrm>
+            <a:off x="1941815" y="2630185"/>
+            <a:ext cx="3024025" cy="680664"/>
+          </a:xfrm>
+          <a:prstGeom prst="straightConnector1">
+            <a:avLst/>
+          </a:prstGeom>
+          <a:ln>
+            <a:tailEnd type="triangle"/>
+          </a:ln>
+        </p:spPr>
+        <p:style>
+          <a:lnRef idx="1">
+            <a:schemeClr val="accent1"/>
+          </a:lnRef>
+          <a:fillRef idx="0">
+            <a:schemeClr val="accent1"/>
+          </a:fillRef>
+          <a:effectRef idx="0">
+            <a:schemeClr val="accent1"/>
+          </a:effectRef>
+          <a:fontRef idx="minor">
+            <a:schemeClr val="tx1"/>
+          </a:fontRef>
+        </p:style>
+      </p:cxnSp>
+      <p:cxnSp>
+        <p:nvCxnSpPr>
+          <p:cNvPr id="18" name="直线箭头连接符 17"/>
+          <p:cNvCxnSpPr>
+            <a:stCxn id="14" idx="0"/>
+            <a:endCxn id="6" idx="2"/>
+          </p:cNvCxnSpPr>
+          <p:nvPr/>
+        </p:nvCxnSpPr>
+        <p:spPr>
+          <a:xfrm flipH="1" flipV="1">
+            <a:off x="5638797" y="1746767"/>
+            <a:ext cx="1" cy="1106882"/>
+          </a:xfrm>
+          <a:prstGeom prst="straightConnector1">
+            <a:avLst/>
+          </a:prstGeom>
+          <a:ln>
+            <a:tailEnd type="triangle"/>
+          </a:ln>
+        </p:spPr>
+        <p:style>
+          <a:lnRef idx="1">
+            <a:schemeClr val="accent1"/>
+          </a:lnRef>
+          <a:fillRef idx="0">
+            <a:schemeClr val="accent1"/>
+          </a:fillRef>
+          <a:effectRef idx="0">
+            <a:schemeClr val="accent1"/>
+          </a:effectRef>
+          <a:fontRef idx="minor">
+            <a:schemeClr val="tx1"/>
+          </a:fontRef>
+        </p:style>
+      </p:cxnSp>
+      <p:sp>
+        <p:nvSpPr>
+          <p:cNvPr id="20" name="文本框 19"/>
+          <p:cNvSpPr txBox="1"/>
+          <p:nvPr/>
+        </p:nvSpPr>
+        <p:spPr>
+          <a:xfrm>
+            <a:off x="2441064" y="1683411"/>
+            <a:ext cx="1699504" cy="923330"/>
+          </a:xfrm>
+          <a:prstGeom prst="rect">
+            <a:avLst/>
+          </a:prstGeom>
+          <a:noFill/>
+        </p:spPr>
+        <p:txBody>
+          <a:bodyPr wrap="none" rtlCol="0">
+            <a:spAutoFit/>
+          </a:bodyPr>
+          <a:lstStyle/>
+          <a:p>
+            <a:r>
+              <a:rPr kumimoji="1" lang="en-US" altLang="zh-CN" dirty="0" smtClean="0"/>
+              <a:t>Token? </a:t>
+            </a:r>
+          </a:p>
+          <a:p>
+            <a:endParaRPr kumimoji="1" lang="en-US" altLang="zh-CN" dirty="0"/>
+          </a:p>
+          <a:p>
+            <a:r>
+              <a:rPr kumimoji="1" lang="en-US" altLang="zh-CN" dirty="0" smtClean="0"/>
+              <a:t>Session?  </a:t>
+            </a:r>
+            <a:r>
+              <a:rPr kumimoji="1" lang="en-US" altLang="zh-CN" smtClean="0"/>
+              <a:t>jssion</a:t>
+            </a:r>
+            <a:endParaRPr kumimoji="1" lang="zh-CN" altLang="en-US" dirty="0"/>
+          </a:p>
+        </p:txBody>
+      </p:sp>
+    </p:spTree>
+    <p:extLst>
+      <p:ext uri="{BB962C8B-B14F-4D97-AF65-F5344CB8AC3E}">
+        <p14:creationId xmlns:p14="http://schemas.microsoft.com/office/powerpoint/2010/main" val="1787454950"/>
+      </p:ext>
+    </p:extLst>
+  </p:cSld>
+  <p:clrMapOvr>
+    <a:masterClrMapping/>
+  </p:clrMapOvr>
+</p:sld>
+</file>
+
 <file path=ppt/theme/theme1.xml><?xml version="1.0" encoding="utf-8"?>
 <a:theme xmlns:a="http://schemas.openxmlformats.org/drawingml/2006/main" name="Office 主题">
   <a:themeElements>

--- a/docs/model.pptx
+++ b/docs/model.pptx
@@ -4530,7 +4530,7 @@
         </p:nvSpPr>
         <p:spPr>
           <a:xfrm>
-            <a:off x="452062" y="2167848"/>
+            <a:off x="452061" y="1940106"/>
             <a:ext cx="1489753" cy="924674"/>
           </a:xfrm>
           <a:prstGeom prst="rect">
@@ -4574,7 +4574,7 @@
         </p:nvSpPr>
         <p:spPr>
           <a:xfrm>
-            <a:off x="452062" y="3470954"/>
+            <a:off x="452052" y="3090384"/>
             <a:ext cx="1489753" cy="924674"/>
           </a:xfrm>
           <a:prstGeom prst="rect">
@@ -4618,7 +4618,7 @@
         </p:nvSpPr>
         <p:spPr>
           <a:xfrm>
-            <a:off x="4965839" y="832367"/>
+            <a:off x="5294608" y="1224244"/>
             <a:ext cx="1345915" cy="914400"/>
           </a:xfrm>
           <a:prstGeom prst="rect">
@@ -4662,7 +4662,7 @@
         </p:nvSpPr>
         <p:spPr>
           <a:xfrm>
-            <a:off x="8125144" y="2001750"/>
+            <a:off x="3589943" y="2260632"/>
             <a:ext cx="1345915" cy="914400"/>
           </a:xfrm>
           <a:prstGeom prst="rect">
@@ -4691,8 +4691,8 @@
           <a:p>
             <a:pPr algn="ctr"/>
             <a:r>
-              <a:rPr kumimoji="1" lang="en-US" altLang="zh-CN" smtClean="0"/>
-              <a:t>S1</a:t>
+              <a:rPr kumimoji="1" lang="en-US" altLang="zh-CN" dirty="0" smtClean="0"/>
+              <a:t>Nginx</a:t>
             </a:r>
             <a:endParaRPr kumimoji="1" lang="zh-CN" altLang="en-US" dirty="0"/>
           </a:p>
@@ -4706,7 +4706,7 @@
         </p:nvSpPr>
         <p:spPr>
           <a:xfrm>
-            <a:off x="8258707" y="4619948"/>
+            <a:off x="9440235" y="4404620"/>
             <a:ext cx="1345915" cy="914400"/>
           </a:xfrm>
           <a:prstGeom prst="rect">
@@ -4750,7 +4750,7 @@
         </p:nvSpPr>
         <p:spPr>
           <a:xfrm>
-            <a:off x="9335782" y="3310849"/>
+            <a:off x="10517310" y="3095521"/>
             <a:ext cx="1345915" cy="914400"/>
           </a:xfrm>
           <a:prstGeom prst="rect">
@@ -4884,7 +4884,7 @@
         </p:nvSpPr>
         <p:spPr>
           <a:xfrm>
-            <a:off x="4965840" y="2853649"/>
+            <a:off x="5294608" y="2893634"/>
             <a:ext cx="1345915" cy="914400"/>
           </a:xfrm>
           <a:prstGeom prst="rect">
@@ -4916,6 +4916,10 @@
               <a:rPr kumimoji="1" lang="en-US" altLang="zh-CN" dirty="0" err="1" smtClean="0"/>
               <a:t>Zuul</a:t>
             </a:r>
+            <a:r>
+              <a:rPr kumimoji="1" lang="en-US" altLang="zh-CN" dirty="0" smtClean="0"/>
+              <a:t>-browser</a:t>
+            </a:r>
             <a:endParaRPr kumimoji="1" lang="zh-CN" altLang="en-US" dirty="0"/>
           </a:p>
         </p:txBody>
@@ -4924,15 +4928,14 @@
         <p:nvCxnSpPr>
           <p:cNvPr id="16" name="直线箭头连接符 15"/>
           <p:cNvCxnSpPr>
-            <a:stCxn id="4" idx="3"/>
-            <a:endCxn id="14" idx="1"/>
+            <a:endCxn id="7" idx="1"/>
           </p:cNvCxnSpPr>
           <p:nvPr/>
         </p:nvCxnSpPr>
         <p:spPr>
           <a:xfrm>
-            <a:off x="1941815" y="2630185"/>
-            <a:ext cx="3024025" cy="680664"/>
+            <a:off x="1941814" y="2411086"/>
+            <a:ext cx="1648129" cy="306746"/>
           </a:xfrm>
           <a:prstGeom prst="straightConnector1">
             <a:avLst/>
@@ -4966,9 +4969,9 @@
           <p:nvPr/>
         </p:nvCxnSpPr>
         <p:spPr>
-          <a:xfrm flipH="1" flipV="1">
-            <a:off x="5638797" y="1746767"/>
-            <a:ext cx="1" cy="1106882"/>
+          <a:xfrm flipV="1">
+            <a:off x="5967566" y="2138644"/>
+            <a:ext cx="0" cy="754990"/>
           </a:xfrm>
           <a:prstGeom prst="straightConnector1">
             <a:avLst/>
@@ -5001,7 +5004,7 @@
         <p:spPr>
           <a:xfrm>
             <a:off x="2441064" y="1683411"/>
-            <a:ext cx="1699504" cy="923330"/>
+            <a:ext cx="1023037" cy="923330"/>
           </a:xfrm>
           <a:prstGeom prst="rect">
             <a:avLst/>
@@ -5025,16 +5028,225 @@
           <a:p>
             <a:r>
               <a:rPr kumimoji="1" lang="en-US" altLang="zh-CN" dirty="0" smtClean="0"/>
-              <a:t>Session?  </a:t>
-            </a:r>
-            <a:r>
-              <a:rPr kumimoji="1" lang="en-US" altLang="zh-CN" smtClean="0"/>
-              <a:t>jssion</a:t>
+              <a:t>Session?</a:t>
             </a:r>
             <a:endParaRPr kumimoji="1" lang="zh-CN" altLang="en-US" dirty="0"/>
           </a:p>
         </p:txBody>
       </p:sp>
+      <p:sp>
+        <p:nvSpPr>
+          <p:cNvPr id="22" name="矩形 21"/>
+          <p:cNvSpPr/>
+          <p:nvPr/>
+        </p:nvSpPr>
+        <p:spPr>
+          <a:xfrm>
+            <a:off x="452061" y="4240662"/>
+            <a:ext cx="1489753" cy="924674"/>
+          </a:xfrm>
+          <a:prstGeom prst="rect">
+            <a:avLst/>
+          </a:prstGeom>
+        </p:spPr>
+        <p:style>
+          <a:lnRef idx="2">
+            <a:schemeClr val="accent1">
+              <a:shade val="50000"/>
+            </a:schemeClr>
+          </a:lnRef>
+          <a:fillRef idx="1">
+            <a:schemeClr val="accent1"/>
+          </a:fillRef>
+          <a:effectRef idx="0">
+            <a:schemeClr val="accent1"/>
+          </a:effectRef>
+          <a:fontRef idx="minor">
+            <a:schemeClr val="lt1"/>
+          </a:fontRef>
+        </p:style>
+        <p:txBody>
+          <a:bodyPr rtlCol="0" anchor="ctr"/>
+          <a:lstStyle/>
+          <a:p>
+            <a:pPr algn="ctr"/>
+            <a:r>
+              <a:rPr kumimoji="1" lang="en-US" altLang="zh-CN" dirty="0" smtClean="0"/>
+              <a:t>ATM</a:t>
+            </a:r>
+            <a:endParaRPr kumimoji="1" lang="zh-CN" altLang="en-US" dirty="0"/>
+          </a:p>
+        </p:txBody>
+      </p:sp>
+      <p:sp>
+        <p:nvSpPr>
+          <p:cNvPr id="27" name="矩形 26"/>
+          <p:cNvSpPr/>
+          <p:nvPr/>
+        </p:nvSpPr>
+        <p:spPr>
+          <a:xfrm>
+            <a:off x="8337466" y="2453716"/>
+            <a:ext cx="1345915" cy="914400"/>
+          </a:xfrm>
+          <a:prstGeom prst="rect">
+            <a:avLst/>
+          </a:prstGeom>
+        </p:spPr>
+        <p:style>
+          <a:lnRef idx="2">
+            <a:schemeClr val="accent1">
+              <a:shade val="50000"/>
+            </a:schemeClr>
+          </a:lnRef>
+          <a:fillRef idx="1">
+            <a:schemeClr val="accent1"/>
+          </a:fillRef>
+          <a:effectRef idx="0">
+            <a:schemeClr val="accent1"/>
+          </a:effectRef>
+          <a:fontRef idx="minor">
+            <a:schemeClr val="lt1"/>
+          </a:fontRef>
+        </p:style>
+        <p:txBody>
+          <a:bodyPr rtlCol="0" anchor="ctr"/>
+          <a:lstStyle/>
+          <a:p>
+            <a:pPr algn="ctr"/>
+            <a:r>
+              <a:rPr kumimoji="1" lang="en-US" altLang="zh-CN" dirty="0" err="1"/>
+              <a:t>Zuul</a:t>
+            </a:r>
+            <a:r>
+              <a:rPr kumimoji="1" lang="en-US" altLang="zh-CN" dirty="0"/>
+              <a:t>-browser</a:t>
+            </a:r>
+            <a:endParaRPr kumimoji="1" lang="zh-CN" altLang="en-US" dirty="0"/>
+          </a:p>
+        </p:txBody>
+      </p:sp>
+      <p:sp>
+        <p:nvSpPr>
+          <p:cNvPr id="29" name="矩形 28"/>
+          <p:cNvSpPr/>
+          <p:nvPr/>
+        </p:nvSpPr>
+        <p:spPr>
+          <a:xfrm>
+            <a:off x="1537130" y="5776330"/>
+            <a:ext cx="1489753" cy="924674"/>
+          </a:xfrm>
+          <a:prstGeom prst="rect">
+            <a:avLst/>
+          </a:prstGeom>
+        </p:spPr>
+        <p:style>
+          <a:lnRef idx="2">
+            <a:schemeClr val="accent1">
+              <a:shade val="50000"/>
+            </a:schemeClr>
+          </a:lnRef>
+          <a:fillRef idx="1">
+            <a:schemeClr val="accent1"/>
+          </a:fillRef>
+          <a:effectRef idx="0">
+            <a:schemeClr val="accent1"/>
+          </a:effectRef>
+          <a:fontRef idx="minor">
+            <a:schemeClr val="lt1"/>
+          </a:fontRef>
+        </p:style>
+        <p:txBody>
+          <a:bodyPr rtlCol="0" anchor="ctr"/>
+          <a:lstStyle/>
+          <a:p>
+            <a:pPr algn="ctr"/>
+            <a:r>
+              <a:rPr kumimoji="1" lang="en-US" altLang="zh-CN" dirty="0" smtClean="0"/>
+              <a:t>Other App</a:t>
+            </a:r>
+            <a:endParaRPr kumimoji="1" lang="zh-CN" altLang="en-US" dirty="0"/>
+          </a:p>
+        </p:txBody>
+      </p:sp>
+      <p:sp>
+        <p:nvSpPr>
+          <p:cNvPr id="37" name="矩形 36"/>
+          <p:cNvSpPr/>
+          <p:nvPr/>
+        </p:nvSpPr>
+        <p:spPr>
+          <a:xfrm>
+            <a:off x="8337466" y="1243493"/>
+            <a:ext cx="1345915" cy="914400"/>
+          </a:xfrm>
+          <a:prstGeom prst="rect">
+            <a:avLst/>
+          </a:prstGeom>
+        </p:spPr>
+        <p:style>
+          <a:lnRef idx="2">
+            <a:schemeClr val="accent1">
+              <a:shade val="50000"/>
+            </a:schemeClr>
+          </a:lnRef>
+          <a:fillRef idx="1">
+            <a:schemeClr val="accent1"/>
+          </a:fillRef>
+          <a:effectRef idx="0">
+            <a:schemeClr val="accent1"/>
+          </a:effectRef>
+          <a:fontRef idx="minor">
+            <a:schemeClr val="lt1"/>
+          </a:fontRef>
+        </p:style>
+        <p:txBody>
+          <a:bodyPr rtlCol="0" anchor="ctr"/>
+          <a:lstStyle/>
+          <a:p>
+            <a:pPr algn="ctr"/>
+            <a:r>
+              <a:rPr kumimoji="1" lang="en-US" altLang="zh-CN" dirty="0" smtClean="0"/>
+              <a:t>UAA</a:t>
+            </a:r>
+            <a:endParaRPr kumimoji="1" lang="zh-CN" altLang="en-US" dirty="0"/>
+          </a:p>
+        </p:txBody>
+      </p:sp>
+      <p:cxnSp>
+        <p:nvCxnSpPr>
+          <p:cNvPr id="38" name="直线箭头连接符 37"/>
+          <p:cNvCxnSpPr/>
+          <p:nvPr/>
+        </p:nvCxnSpPr>
+        <p:spPr>
+          <a:xfrm flipV="1">
+            <a:off x="8991586" y="2138644"/>
+            <a:ext cx="4" cy="278541"/>
+          </a:xfrm>
+          <a:prstGeom prst="straightConnector1">
+            <a:avLst/>
+          </a:prstGeom>
+          <a:ln>
+            <a:tailEnd type="triangle"/>
+          </a:ln>
+        </p:spPr>
+        <p:style>
+          <a:lnRef idx="1">
+            <a:schemeClr val="accent1"/>
+          </a:lnRef>
+          <a:fillRef idx="0">
+            <a:schemeClr val="accent1"/>
+          </a:fillRef>
+          <a:effectRef idx="0">
+            <a:schemeClr val="accent1"/>
+          </a:effectRef>
+          <a:fontRef idx="minor">
+            <a:schemeClr val="tx1"/>
+          </a:fontRef>
+        </p:style>
+      </p:cxnSp>
     </p:spTree>
     <p:extLst>
       <p:ext uri="{BB962C8B-B14F-4D97-AF65-F5344CB8AC3E}">
